--- a/doc/01_勉強会/01_勉強会資料/20180823_勉強会/02.資料/03_アプリ実装.pptx
+++ b/doc/01_勉強会/01_勉強会資料/20180823_勉強会/02.資料/03_アプリ実装.pptx
@@ -5,7 +5,7 @@
     <p:sldMasterId id="2147483648" r:id="rId1"/>
   </p:sldMasterIdLst>
   <p:notesMasterIdLst>
-    <p:notesMasterId r:id="rId15"/>
+    <p:notesMasterId r:id="rId16"/>
   </p:notesMasterIdLst>
   <p:sldIdLst>
     <p:sldId id="256" r:id="rId2"/>
@@ -21,6 +21,7 @@
     <p:sldId id="267" r:id="rId12"/>
     <p:sldId id="265" r:id="rId13"/>
     <p:sldId id="268" r:id="rId14"/>
+    <p:sldId id="269" r:id="rId15"/>
   </p:sldIdLst>
   <p:sldSz cx="12192000" cy="6858000"/>
   <p:notesSz cx="6858000" cy="9144000"/>
@@ -121,7 +122,7 @@
   </p:defaultTextStyle>
   <p:extLst>
     <p:ext uri="{EFAFB233-063F-42B5-8137-9DF3F51BA10A}">
-      <p15:sldGuideLst xmlns:p15="http://schemas.microsoft.com/office/powerpoint/2012/main" xmlns=""/>
+      <p15:sldGuideLst xmlns="" xmlns:p15="http://schemas.microsoft.com/office/powerpoint/2012/main"/>
     </p:ext>
   </p:extLst>
 </p:presentation>
@@ -210,7 +211,7 @@
             <a:fld id="{AC8271B8-372B-448B-A34F-50045A9CAFEA}" type="datetimeFigureOut">
               <a:rPr kumimoji="1" lang="ja-JP" altLang="en-US" smtClean="0"/>
               <a:pPr/>
-              <a:t>2018/8/21</a:t>
+              <a:t>2018/8/23</a:t>
             </a:fld>
             <a:endParaRPr kumimoji="1" lang="ja-JP" altLang="en-US"/>
           </a:p>
@@ -844,7 +845,7 @@
             <a:fld id="{2FA7D4A1-D6E2-4B97-8DF5-43A2A6E9364B}" type="datetimeFigureOut">
               <a:rPr kumimoji="1" lang="ja-JP" altLang="en-US" smtClean="0"/>
               <a:pPr/>
-              <a:t>2018/8/21</a:t>
+              <a:t>2018/8/23</a:t>
             </a:fld>
             <a:endParaRPr kumimoji="1" lang="ja-JP" altLang="en-US"/>
           </a:p>
@@ -1128,7 +1129,7 @@
           <a:blip r:embed="rId2" cstate="print">
             <a:extLst>
               <a:ext uri="{28A0092B-C50C-407E-A947-70E740481C1C}">
-                <a14:useLocalDpi xmlns:a14="http://schemas.microsoft.com/office/drawing/2010/main" xmlns="" val="0"/>
+                <a14:useLocalDpi xmlns="" xmlns:a14="http://schemas.microsoft.com/office/drawing/2010/main" val="0"/>
               </a:ext>
             </a:extLst>
           </a:blip>
@@ -1149,7 +1150,7 @@
     </p:spTree>
     <p:extLst>
       <p:ext uri="{BB962C8B-B14F-4D97-AF65-F5344CB8AC3E}">
-        <p14:creationId xmlns:p14="http://schemas.microsoft.com/office/powerpoint/2010/main" xmlns="" val="2810891602"/>
+        <p14:creationId xmlns="" xmlns:p14="http://schemas.microsoft.com/office/powerpoint/2010/main" val="2810891602"/>
       </p:ext>
     </p:extLst>
   </p:cSld>
@@ -1313,7 +1314,7 @@
             <a:fld id="{2FA7D4A1-D6E2-4B97-8DF5-43A2A6E9364B}" type="datetimeFigureOut">
               <a:rPr kumimoji="1" lang="ja-JP" altLang="en-US" smtClean="0"/>
               <a:pPr/>
-              <a:t>2018/8/21</a:t>
+              <a:t>2018/8/23</a:t>
             </a:fld>
             <a:endParaRPr kumimoji="1" lang="ja-JP" altLang="en-US"/>
           </a:p>
@@ -1502,7 +1503,7 @@
     </p:spTree>
     <p:extLst>
       <p:ext uri="{BB962C8B-B14F-4D97-AF65-F5344CB8AC3E}">
-        <p14:creationId xmlns:p14="http://schemas.microsoft.com/office/powerpoint/2010/main" xmlns="" val="3557137448"/>
+        <p14:creationId xmlns="" xmlns:p14="http://schemas.microsoft.com/office/powerpoint/2010/main" val="3557137448"/>
       </p:ext>
     </p:extLst>
   </p:cSld>
@@ -1755,7 +1756,7 @@
             <a:fld id="{2FA7D4A1-D6E2-4B97-8DF5-43A2A6E9364B}" type="datetimeFigureOut">
               <a:rPr kumimoji="1" lang="ja-JP" altLang="en-US" smtClean="0"/>
               <a:pPr/>
-              <a:t>2018/8/21</a:t>
+              <a:t>2018/8/23</a:t>
             </a:fld>
             <a:endParaRPr kumimoji="1" lang="ja-JP" altLang="en-US"/>
           </a:p>
@@ -1807,7 +1808,7 @@
     </p:spTree>
     <p:extLst>
       <p:ext uri="{BB962C8B-B14F-4D97-AF65-F5344CB8AC3E}">
-        <p14:creationId xmlns:p14="http://schemas.microsoft.com/office/powerpoint/2010/main" xmlns="" val="3739881455"/>
+        <p14:creationId xmlns="" xmlns:p14="http://schemas.microsoft.com/office/powerpoint/2010/main" val="3739881455"/>
       </p:ext>
     </p:extLst>
   </p:cSld>
@@ -1882,7 +1883,7 @@
             <a:fld id="{2FA7D4A1-D6E2-4B97-8DF5-43A2A6E9364B}" type="datetimeFigureOut">
               <a:rPr kumimoji="1" lang="ja-JP" altLang="en-US" smtClean="0"/>
               <a:pPr/>
-              <a:t>2018/8/21</a:t>
+              <a:t>2018/8/23</a:t>
             </a:fld>
             <a:endParaRPr kumimoji="1" lang="ja-JP" altLang="en-US"/>
           </a:p>
@@ -2041,7 +2042,7 @@
     </p:spTree>
     <p:extLst>
       <p:ext uri="{BB962C8B-B14F-4D97-AF65-F5344CB8AC3E}">
-        <p14:creationId xmlns:p14="http://schemas.microsoft.com/office/powerpoint/2010/main" xmlns="" val="2041532408"/>
+        <p14:creationId xmlns="" xmlns:p14="http://schemas.microsoft.com/office/powerpoint/2010/main" val="2041532408"/>
       </p:ext>
     </p:extLst>
   </p:cSld>
@@ -2116,7 +2117,7 @@
             <a:fld id="{2FA7D4A1-D6E2-4B97-8DF5-43A2A6E9364B}" type="datetimeFigureOut">
               <a:rPr kumimoji="1" lang="ja-JP" altLang="en-US" smtClean="0"/>
               <a:pPr/>
-              <a:t>2018/8/21</a:t>
+              <a:t>2018/8/23</a:t>
             </a:fld>
             <a:endParaRPr kumimoji="1" lang="ja-JP" altLang="en-US"/>
           </a:p>
@@ -2294,7 +2295,7 @@
     </p:spTree>
     <p:extLst>
       <p:ext uri="{BB962C8B-B14F-4D97-AF65-F5344CB8AC3E}">
-        <p14:creationId xmlns:p14="http://schemas.microsoft.com/office/powerpoint/2010/main" xmlns="" val="1665381159"/>
+        <p14:creationId xmlns="" xmlns:p14="http://schemas.microsoft.com/office/powerpoint/2010/main" val="1665381159"/>
       </p:ext>
     </p:extLst>
   </p:cSld>
@@ -2496,7 +2497,7 @@
             <a:fld id="{2FA7D4A1-D6E2-4B97-8DF5-43A2A6E9364B}" type="datetimeFigureOut">
               <a:rPr kumimoji="1" lang="ja-JP" altLang="en-US" smtClean="0"/>
               <a:pPr/>
-              <a:t>2018/8/21</a:t>
+              <a:t>2018/8/23</a:t>
             </a:fld>
             <a:endParaRPr kumimoji="1" lang="ja-JP" altLang="en-US"/>
           </a:p>
@@ -2623,7 +2624,7 @@
           <a:blip r:embed="rId7" cstate="print">
             <a:extLst>
               <a:ext uri="{28A0092B-C50C-407E-A947-70E740481C1C}">
-                <a14:useLocalDpi xmlns:a14="http://schemas.microsoft.com/office/drawing/2010/main" xmlns="" val="0"/>
+                <a14:useLocalDpi xmlns="" xmlns:a14="http://schemas.microsoft.com/office/drawing/2010/main" val="0"/>
               </a:ext>
             </a:extLst>
           </a:blip>
@@ -2644,7 +2645,7 @@
     </p:spTree>
     <p:extLst>
       <p:ext uri="{BB962C8B-B14F-4D97-AF65-F5344CB8AC3E}">
-        <p14:creationId xmlns:p14="http://schemas.microsoft.com/office/powerpoint/2010/main" xmlns="" val="1816818280"/>
+        <p14:creationId xmlns="" xmlns:p14="http://schemas.microsoft.com/office/powerpoint/2010/main" val="1816818280"/>
       </p:ext>
     </p:extLst>
   </p:cSld>
@@ -3023,7 +3024,7 @@
           </a:ln>
           <a:extLst>
             <a:ext uri="{C572A759-6A51-4108-AA02-DFA0A04FC94B}">
-              <ma14:wrappingTextBoxFlag xmlns:ma14="http://schemas.microsoft.com/office/mac/drawingml/2011/main" xmlns="" val="1"/>
+              <ma14:wrappingTextBoxFlag xmlns="" xmlns:ma14="http://schemas.microsoft.com/office/mac/drawingml/2011/main" val="1"/>
             </a:ext>
           </a:extLst>
         </p:spPr>
@@ -3051,7 +3052,7 @@
     </p:spTree>
     <p:extLst>
       <p:ext uri="{BB962C8B-B14F-4D97-AF65-F5344CB8AC3E}">
-        <p14:creationId xmlns:p14="http://schemas.microsoft.com/office/powerpoint/2010/main" xmlns="" val="1000495878"/>
+        <p14:creationId xmlns="" xmlns:p14="http://schemas.microsoft.com/office/powerpoint/2010/main" val="1000495878"/>
       </p:ext>
     </p:extLst>
   </p:cSld>
@@ -3782,19 +3783,17 @@
             </a:r>
             <a:r>
               <a:rPr lang="ja-JP" altLang="en-US" sz="2400" dirty="0" smtClean="0"/>
-              <a:t>の一部をコンポーネントとして切り出し、プロパティやイベントハンドラをコンポーネントの中にまとめて</a:t>
-            </a:r>
+              <a:t>の一部をコンポーネントとして切り出し、プロパティやイベントハンドラをコンポーネントの中にまとめて記述することができる。</a:t>
+            </a:r>
+            <a:endParaRPr lang="en-US" altLang="ja-JP" sz="2400" dirty="0" smtClean="0"/>
+          </a:p>
+          <a:p>
+            <a:endParaRPr lang="en-US" altLang="ja-JP" sz="2400" dirty="0" smtClean="0"/>
+          </a:p>
+          <a:p>
             <a:r>
               <a:rPr lang="ja-JP" altLang="en-US" sz="2400" dirty="0" smtClean="0"/>
-              <a:t>記述</a:t>
-            </a:r>
-            <a:r>
-              <a:rPr lang="ja-JP" altLang="en-US" sz="2400" dirty="0" smtClean="0"/>
-              <a:t>すること</a:t>
-            </a:r>
-            <a:r>
-              <a:rPr lang="ja-JP" altLang="en-US" sz="2400" dirty="0" smtClean="0"/>
-              <a:t>ができる。</a:t>
+              <a:t>各コンポーネントの役割をわけることによりコードが見やすい。</a:t>
             </a:r>
             <a:endParaRPr lang="en-US" altLang="ja-JP" sz="2400" dirty="0" smtClean="0"/>
           </a:p>
@@ -3802,21 +3801,395 @@
             <a:endParaRPr lang="en-US" altLang="ja-JP" sz="2400" dirty="0" smtClean="0"/>
           </a:p>
           <a:p>
-            <a:r>
-              <a:rPr lang="ja-JP" altLang="en-US" sz="2400" dirty="0" smtClean="0"/>
-              <a:t>各コンポーネントの</a:t>
-            </a:r>
-            <a:r>
-              <a:rPr lang="ja-JP" altLang="en-US" sz="2400" dirty="0" smtClean="0"/>
-              <a:t>役割をわけることによりコードが見やすい。</a:t>
-            </a:r>
             <a:endParaRPr lang="en-US" altLang="ja-JP" sz="2400" dirty="0" smtClean="0"/>
           </a:p>
-          <a:p>
-            <a:endParaRPr lang="en-US" altLang="ja-JP" sz="2400" dirty="0" smtClean="0"/>
-          </a:p>
-          <a:p>
-            <a:endParaRPr lang="en-US" altLang="ja-JP" sz="2400" dirty="0" smtClean="0"/>
+        </p:txBody>
+      </p:sp>
+    </p:spTree>
+  </p:cSld>
+  <p:clrMapOvr>
+    <a:masterClrMapping/>
+  </p:clrMapOvr>
+</p:sld>
+</file>
+
+<file path=ppt/slides/slide14.xml><?xml version="1.0" encoding="utf-8"?>
+<p:sld xmlns:a="http://schemas.openxmlformats.org/drawingml/2006/main" xmlns:r="http://schemas.openxmlformats.org/officeDocument/2006/relationships" xmlns:p="http://schemas.openxmlformats.org/presentationml/2006/main">
+  <p:cSld>
+    <p:spTree>
+      <p:nvGrpSpPr>
+        <p:cNvPr id="1" name=""/>
+        <p:cNvGrpSpPr/>
+        <p:nvPr/>
+      </p:nvGrpSpPr>
+      <p:grpSpPr>
+        <a:xfrm>
+          <a:off x="0" y="0"/>
+          <a:ext cx="0" cy="0"/>
+          <a:chOff x="0" y="0"/>
+          <a:chExt cx="0" cy="0"/>
+        </a:xfrm>
+      </p:grpSpPr>
+      <p:sp>
+        <p:nvSpPr>
+          <p:cNvPr id="2" name="タイトル 1"/>
+          <p:cNvSpPr>
+            <a:spLocks noGrp="1"/>
+          </p:cNvSpPr>
+          <p:nvPr>
+            <p:ph type="title"/>
+          </p:nvPr>
+        </p:nvSpPr>
+        <p:spPr/>
+        <p:txBody>
+          <a:bodyPr/>
+          <a:lstStyle/>
+          <a:p>
+            <a:r>
+              <a:rPr lang="ja-JP" altLang="en-US" dirty="0" smtClean="0"/>
+              <a:t>参考文献</a:t>
+            </a:r>
+            <a:endParaRPr kumimoji="1" lang="ja-JP" altLang="en-US" dirty="0"/>
+          </a:p>
+        </p:txBody>
+      </p:sp>
+      <p:sp>
+        <p:nvSpPr>
+          <p:cNvPr id="3" name="コンテンツ プレースホルダ 2"/>
+          <p:cNvSpPr>
+            <a:spLocks noGrp="1"/>
+          </p:cNvSpPr>
+          <p:nvPr>
+            <p:ph idx="1"/>
+          </p:nvPr>
+        </p:nvSpPr>
+        <p:spPr>
+          <a:xfrm>
+            <a:off x="431800" y="1181686"/>
+            <a:ext cx="11379200" cy="4927013"/>
+          </a:xfrm>
+        </p:spPr>
+        <p:txBody>
+          <a:bodyPr>
+            <a:normAutofit lnSpcReduction="10000"/>
+          </a:bodyPr>
+          <a:lstStyle/>
+          <a:p>
+            <a:r>
+              <a:rPr kumimoji="1" lang="ja-JP" altLang="en-US" dirty="0" smtClean="0"/>
+              <a:t>柴田文彦</a:t>
+            </a:r>
+            <a:r>
+              <a:rPr kumimoji="1" lang="en-US" altLang="ja-JP" dirty="0" smtClean="0"/>
+              <a:t>,</a:t>
+            </a:r>
+            <a:r>
+              <a:rPr lang="en-US" altLang="ja-JP" dirty="0" smtClean="0"/>
+              <a:t>『Web</a:t>
+            </a:r>
+            <a:r>
+              <a:rPr lang="ja-JP" altLang="en-US" dirty="0" smtClean="0"/>
+              <a:t>デベロッパーのための</a:t>
+            </a:r>
+            <a:r>
+              <a:rPr lang="en-US" altLang="ja-JP" dirty="0" smtClean="0"/>
+              <a:t>React</a:t>
+            </a:r>
+            <a:r>
+              <a:rPr lang="ja-JP" altLang="en-US" dirty="0" smtClean="0"/>
+              <a:t>開発</a:t>
+            </a:r>
+            <a:r>
+              <a:rPr lang="ja-JP" altLang="en-US" dirty="0" smtClean="0"/>
+              <a:t>入門</a:t>
+            </a:r>
+            <a:r>
+              <a:rPr lang="ja-JP" altLang="en-US" dirty="0" err="1" smtClean="0"/>
+              <a:t>ー</a:t>
+            </a:r>
+            <a:r>
+              <a:rPr lang="en-US" altLang="ja-JP" dirty="0" err="1" smtClean="0"/>
+              <a:t>JavaScirit</a:t>
+            </a:r>
+            <a:r>
+              <a:rPr lang="en-US" altLang="ja-JP" dirty="0" smtClean="0"/>
+              <a:t> </a:t>
+            </a:r>
+            <a:r>
+              <a:rPr lang="en-US" altLang="ja-JP" dirty="0" smtClean="0"/>
+              <a:t>UI</a:t>
+            </a:r>
+            <a:r>
+              <a:rPr lang="ja-JP" altLang="en-US" dirty="0" smtClean="0"/>
+              <a:t>ライブラリの基本と</a:t>
+            </a:r>
+            <a:r>
+              <a:rPr lang="ja-JP" altLang="en-US" dirty="0" smtClean="0"/>
+              <a:t>応用</a:t>
+            </a:r>
+            <a:r>
+              <a:rPr lang="en-US" altLang="ja-JP" dirty="0" smtClean="0"/>
+              <a:t>』,</a:t>
+            </a:r>
+            <a:r>
+              <a:rPr lang="ja-JP" altLang="en-US" dirty="0" smtClean="0"/>
+              <a:t>インプレス</a:t>
+            </a:r>
+            <a:r>
+              <a:rPr lang="en-US" altLang="ja-JP" dirty="0" smtClean="0"/>
+              <a:t>,2016</a:t>
+            </a:r>
+          </a:p>
+          <a:p>
+            <a:endParaRPr kumimoji="1" lang="en-US" altLang="ja-JP" b="1" dirty="0" smtClean="0"/>
+          </a:p>
+          <a:p>
+            <a:r>
+              <a:rPr lang="en-US" altLang="ja-JP" dirty="0" smtClean="0"/>
+              <a:t>【</a:t>
+            </a:r>
+            <a:r>
+              <a:rPr lang="en-US" altLang="ja-JP" dirty="0" err="1" smtClean="0"/>
+              <a:t>React】Hello</a:t>
+            </a:r>
+            <a:r>
+              <a:rPr lang="en-US" altLang="ja-JP" dirty="0" smtClean="0"/>
+              <a:t> World</a:t>
+            </a:r>
+            <a:r>
+              <a:rPr lang="ja-JP" altLang="en-US" dirty="0" smtClean="0"/>
+              <a:t>から簡単な</a:t>
+            </a:r>
+            <a:r>
+              <a:rPr lang="en-US" altLang="ja-JP" dirty="0" err="1" smtClean="0"/>
+              <a:t>Todo</a:t>
+            </a:r>
+            <a:r>
+              <a:rPr lang="ja-JP" altLang="en-US" dirty="0" smtClean="0"/>
+              <a:t>アプリまで</a:t>
+            </a:r>
+            <a:r>
+              <a:rPr lang="en-US" altLang="ja-JP" dirty="0" smtClean="0"/>
+              <a:t>React</a:t>
+            </a:r>
+            <a:r>
+              <a:rPr lang="ja-JP" altLang="en-US" dirty="0" smtClean="0"/>
+              <a:t>でいろいろ書いて</a:t>
+            </a:r>
+            <a:r>
+              <a:rPr lang="ja-JP" altLang="en-US" dirty="0" smtClean="0"/>
+              <a:t>みる</a:t>
+            </a:r>
+            <a:r>
+              <a:rPr lang="en-US" altLang="ja-JP" dirty="0" smtClean="0"/>
+              <a:t>,2016-11-24,</a:t>
+            </a:r>
+            <a:r>
+              <a:rPr lang="ja-JP" altLang="en-US" dirty="0" smtClean="0"/>
+              <a:t>閲覧日 </a:t>
+            </a:r>
+            <a:r>
+              <a:rPr lang="en-US" altLang="ja-JP" dirty="0" smtClean="0"/>
+              <a:t>2018-8-16</a:t>
+            </a:r>
+            <a:r>
+              <a:rPr lang="en-US" altLang="ja-JP" dirty="0" smtClean="0"/>
+              <a:t>, </a:t>
+            </a:r>
+            <a:r>
+              <a:rPr lang="en-US" altLang="ja-JP" dirty="0" smtClean="0">
+                <a:hlinkClick r:id="rId2"/>
+              </a:rPr>
+              <a:t>https://</a:t>
+            </a:r>
+            <a:r>
+              <a:rPr lang="en-US" altLang="ja-JP" dirty="0" smtClean="0">
+                <a:hlinkClick r:id="rId2"/>
+              </a:rPr>
+              <a:t>blog.mismithportfolio.com/web/20161124reactsample</a:t>
+            </a:r>
+            <a:endParaRPr lang="en-US" altLang="ja-JP" dirty="0" smtClean="0"/>
+          </a:p>
+          <a:p>
+            <a:endParaRPr lang="en-US" altLang="ja-JP" dirty="0" smtClean="0"/>
+          </a:p>
+          <a:p>
+            <a:r>
+              <a:rPr lang="en-US" altLang="ja-JP" dirty="0" smtClean="0"/>
+              <a:t>React</a:t>
+            </a:r>
+            <a:r>
+              <a:rPr lang="ja-JP" altLang="en-US" dirty="0" smtClean="0"/>
+              <a:t>の基礎知識</a:t>
+            </a:r>
+            <a:r>
+              <a:rPr lang="en-US" altLang="ja-JP" dirty="0" smtClean="0"/>
+              <a:t>(</a:t>
+            </a:r>
+            <a:r>
+              <a:rPr lang="en-US" altLang="ja-JP" dirty="0" err="1" smtClean="0"/>
+              <a:t>JSX,Component</a:t>
+            </a:r>
+            <a:r>
+              <a:rPr lang="en-US" altLang="ja-JP" dirty="0" smtClean="0"/>
+              <a:t>, Props, State)【</a:t>
+            </a:r>
+            <a:r>
+              <a:rPr lang="ja-JP" altLang="en-US" dirty="0" smtClean="0"/>
+              <a:t>初心者向け</a:t>
+            </a:r>
+            <a:r>
+              <a:rPr lang="en-US" altLang="ja-JP" dirty="0" smtClean="0"/>
+              <a:t>】,2018-05-17,</a:t>
+            </a:r>
+            <a:r>
+              <a:rPr lang="ja-JP" altLang="en-US" dirty="0" smtClean="0"/>
+              <a:t>閲覧日 </a:t>
+            </a:r>
+            <a:r>
+              <a:rPr lang="en-US" altLang="ja-JP" dirty="0" smtClean="0"/>
+              <a:t>2018-08-16</a:t>
+            </a:r>
+            <a:r>
+              <a:rPr lang="en-US" altLang="ja-JP" dirty="0" smtClean="0"/>
+              <a:t>, </a:t>
+            </a:r>
+            <a:r>
+              <a:rPr lang="en-US" altLang="ja-JP" dirty="0" smtClean="0">
+                <a:hlinkClick r:id="rId3"/>
+              </a:rPr>
+              <a:t>https://student-engineer.net/react-basic</a:t>
+            </a:r>
+            <a:r>
+              <a:rPr lang="en-US" altLang="ja-JP" dirty="0" smtClean="0">
+                <a:hlinkClick r:id="rId3"/>
+              </a:rPr>
+              <a:t>/</a:t>
+            </a:r>
+            <a:endParaRPr lang="en-US" altLang="ja-JP" dirty="0" smtClean="0"/>
+          </a:p>
+          <a:p>
+            <a:endParaRPr lang="en-US" altLang="ja-JP" dirty="0" smtClean="0"/>
+          </a:p>
+          <a:p>
+            <a:r>
+              <a:rPr lang="en-US" altLang="ja-JP" dirty="0" smtClean="0"/>
+              <a:t>React</a:t>
+            </a:r>
+            <a:r>
+              <a:rPr lang="ja-JP" altLang="en-US" dirty="0" smtClean="0"/>
+              <a:t>のコード事例から学ぶ初心者向け</a:t>
+            </a:r>
+            <a:r>
+              <a:rPr lang="en-US" altLang="ja-JP" dirty="0" smtClean="0"/>
+              <a:t>React</a:t>
+            </a:r>
+            <a:r>
+              <a:rPr lang="ja-JP" altLang="en-US" dirty="0" smtClean="0"/>
+              <a:t>入門と</a:t>
+            </a:r>
+            <a:r>
+              <a:rPr lang="ja-JP" altLang="en-US" dirty="0" smtClean="0"/>
+              <a:t>事例集</a:t>
+            </a:r>
+            <a:r>
+              <a:rPr lang="en-US" altLang="ja-JP" dirty="0" smtClean="0"/>
+              <a:t>,2016-04-30,</a:t>
+            </a:r>
+            <a:r>
+              <a:rPr lang="ja-JP" altLang="en-US" dirty="0" smtClean="0"/>
+              <a:t>閲覧日 </a:t>
+            </a:r>
+            <a:r>
+              <a:rPr lang="en-US" altLang="ja-JP" dirty="0" smtClean="0"/>
+              <a:t>2018-08-20, </a:t>
+            </a:r>
+            <a:r>
+              <a:rPr lang="en-US" altLang="ja-JP" dirty="0" smtClean="0">
+                <a:hlinkClick r:id="rId4"/>
+              </a:rPr>
+              <a:t>http://</a:t>
+            </a:r>
+            <a:r>
+              <a:rPr lang="en-US" altLang="ja-JP" dirty="0" smtClean="0">
+                <a:hlinkClick r:id="rId4"/>
+              </a:rPr>
+              <a:t>tango-ruby.hatenablog.com/entry/2016/04/30/090000</a:t>
+            </a:r>
+            <a:endParaRPr lang="en-US" altLang="ja-JP" dirty="0" smtClean="0"/>
+          </a:p>
+          <a:p>
+            <a:endParaRPr lang="en-US" altLang="ja-JP" dirty="0" smtClean="0"/>
+          </a:p>
+          <a:p>
+            <a:r>
+              <a:rPr lang="en-US" altLang="ja-JP" dirty="0" err="1" smtClean="0"/>
+              <a:t>Facebook</a:t>
+            </a:r>
+            <a:r>
+              <a:rPr lang="ja-JP" altLang="en-US" dirty="0" smtClean="0"/>
+              <a:t>が作った</a:t>
+            </a:r>
+            <a:r>
+              <a:rPr lang="en-US" altLang="ja-JP" dirty="0" smtClean="0"/>
+              <a:t>JavaScript</a:t>
+            </a:r>
+            <a:r>
+              <a:rPr lang="ja-JP" altLang="en-US" dirty="0" smtClean="0"/>
+              <a:t>ライブラリ、</a:t>
+            </a:r>
+            <a:r>
+              <a:rPr lang="en-US" altLang="ja-JP" dirty="0" smtClean="0"/>
+              <a:t>React</a:t>
+            </a:r>
+            <a:r>
+              <a:rPr lang="ja-JP" altLang="en-US" dirty="0" smtClean="0"/>
+              <a:t>の威力を体感</a:t>
+            </a:r>
+            <a:r>
+              <a:rPr lang="ja-JP" altLang="en-US" dirty="0" smtClean="0"/>
+              <a:t>する</a:t>
+            </a:r>
+            <a:r>
+              <a:rPr lang="en-US" altLang="ja-JP" dirty="0" smtClean="0"/>
+              <a:t>,</a:t>
+            </a:r>
+            <a:r>
+              <a:rPr lang="ja-JP" altLang="en-US" dirty="0" smtClean="0"/>
+              <a:t>閲覧日 </a:t>
+            </a:r>
+            <a:r>
+              <a:rPr lang="en-US" altLang="ja-JP" dirty="0" smtClean="0"/>
+              <a:t>2018-08-20, </a:t>
+            </a:r>
+            <a:r>
+              <a:rPr lang="en-US" altLang="ja-JP" dirty="0" smtClean="0">
+                <a:hlinkClick r:id="rId5"/>
+              </a:rPr>
+              <a:t>https://cloudear.jp/blog/?p=1545</a:t>
+            </a:r>
+            <a:endParaRPr lang="ja-JP" altLang="en-US" dirty="0" smtClean="0"/>
+          </a:p>
+          <a:p>
+            <a:endParaRPr lang="ja-JP" altLang="en-US" dirty="0" smtClean="0"/>
+          </a:p>
+          <a:p>
+            <a:endParaRPr lang="en-US" altLang="ja-JP" dirty="0" smtClean="0"/>
+          </a:p>
+          <a:p>
+            <a:endParaRPr lang="en-US" altLang="ja-JP" dirty="0" smtClean="0"/>
+          </a:p>
+          <a:p>
+            <a:endParaRPr lang="en-US" altLang="ja-JP" dirty="0" smtClean="0"/>
+          </a:p>
+          <a:p>
+            <a:endParaRPr lang="en-US" altLang="ja-JP" dirty="0" smtClean="0"/>
+          </a:p>
+          <a:p>
+            <a:endParaRPr lang="ja-JP" altLang="en-US" dirty="0" smtClean="0"/>
+          </a:p>
+          <a:p>
+            <a:endParaRPr kumimoji="1" lang="ja-JP" altLang="en-US" b="1" dirty="0"/>
           </a:p>
         </p:txBody>
       </p:sp>
@@ -3896,11 +4269,7 @@
             </a:pPr>
             <a:r>
               <a:rPr lang="ja-JP" altLang="en-US" sz="2400" dirty="0" smtClean="0"/>
-              <a:t>これ</a:t>
-            </a:r>
-            <a:r>
-              <a:rPr lang="ja-JP" altLang="en-US" sz="2400" dirty="0" smtClean="0"/>
-              <a:t>までの勉強会を持って</a:t>
+              <a:t>これまでの勉強会を持って</a:t>
             </a:r>
             <a:r>
               <a:rPr lang="en-US" altLang="ja-JP" sz="2400" dirty="0" smtClean="0"/>
@@ -3908,11 +4277,7 @@
             </a:r>
             <a:r>
               <a:rPr lang="ja-JP" altLang="en-US" sz="2400" dirty="0" smtClean="0"/>
-              <a:t>の特徴及び基礎知識については学習できていること</a:t>
-            </a:r>
-            <a:r>
-              <a:rPr lang="ja-JP" altLang="en-US" sz="2400" dirty="0" smtClean="0"/>
-              <a:t>。</a:t>
+              <a:t>の特徴及び基礎知識については学習できていること。</a:t>
             </a:r>
             <a:endParaRPr lang="en-US" altLang="ja-JP" sz="2400" dirty="0" smtClean="0"/>
           </a:p>
@@ -3963,11 +4328,7 @@
             </a:pPr>
             <a:r>
               <a:rPr kumimoji="1" lang="ja-JP" altLang="en-US" sz="2400" dirty="0" smtClean="0"/>
-              <a:t>⇒アプリ</a:t>
-            </a:r>
-            <a:r>
-              <a:rPr kumimoji="1" lang="ja-JP" altLang="en-US" sz="2400" dirty="0" smtClean="0"/>
-              <a:t>を実装しながら</a:t>
+              <a:t>⇒アプリを実装しながら</a:t>
             </a:r>
             <a:r>
               <a:rPr kumimoji="1" lang="en-US" altLang="ja-JP" sz="2400" dirty="0" smtClean="0"/>
@@ -3979,11 +4340,7 @@
             </a:r>
             <a:r>
               <a:rPr lang="ja-JP" altLang="en-US" sz="2400" dirty="0" smtClean="0"/>
-              <a:t>の説明</a:t>
-            </a:r>
-            <a:r>
-              <a:rPr lang="ja-JP" altLang="en-US" sz="2400" dirty="0" smtClean="0"/>
-              <a:t>を行うこととします。</a:t>
+              <a:t>の説明を行うこととします。</a:t>
             </a:r>
             <a:endParaRPr kumimoji="1" lang="ja-JP" altLang="en-US" sz="2400" dirty="0"/>
           </a:p>
@@ -4186,15 +4543,7 @@
             </a:pPr>
             <a:r>
               <a:rPr kumimoji="1" lang="ja-JP" altLang="en-US" sz="2800" dirty="0" smtClean="0"/>
-              <a:t>アプリ</a:t>
-            </a:r>
-            <a:r>
-              <a:rPr kumimoji="1" lang="ja-JP" altLang="en-US" sz="2800" dirty="0" smtClean="0"/>
-              <a:t>の</a:t>
-            </a:r>
-            <a:r>
-              <a:rPr kumimoji="1" lang="ja-JP" altLang="en-US" sz="2800" dirty="0" smtClean="0"/>
-              <a:t>実装</a:t>
+              <a:t>アプリの実装</a:t>
             </a:r>
             <a:endParaRPr kumimoji="1" lang="en-US" altLang="ja-JP" sz="2800" dirty="0" smtClean="0"/>
           </a:p>
@@ -4227,11 +4576,7 @@
             </a:pPr>
             <a:r>
               <a:rPr lang="ja-JP" altLang="en-US" sz="2600" dirty="0" smtClean="0"/>
-              <a:t>データ</a:t>
-            </a:r>
-            <a:r>
-              <a:rPr lang="ja-JP" altLang="en-US" sz="2600" dirty="0" smtClean="0"/>
-              <a:t>の登録・削除</a:t>
+              <a:t>データの登録・削除</a:t>
             </a:r>
             <a:endParaRPr kumimoji="1" lang="en-US" altLang="ja-JP" sz="2600" dirty="0" smtClean="0"/>
           </a:p>
@@ -4298,11 +4643,7 @@
           <a:p>
             <a:r>
               <a:rPr lang="ja-JP" altLang="en-US" dirty="0" smtClean="0"/>
-              <a:t>アプリ</a:t>
-            </a:r>
-            <a:r>
-              <a:rPr lang="ja-JP" altLang="en-US" dirty="0" smtClean="0"/>
-              <a:t>の実装①</a:t>
+              <a:t>アプリの実装①</a:t>
             </a:r>
             <a:endParaRPr kumimoji="1" lang="ja-JP" altLang="en-US" dirty="0"/>
           </a:p>
@@ -4401,11 +4742,7 @@
           <a:p>
             <a:r>
               <a:rPr kumimoji="1" lang="ja-JP" altLang="en-US" dirty="0" smtClean="0"/>
-              <a:t>アプリの</a:t>
-            </a:r>
-            <a:r>
-              <a:rPr kumimoji="1" lang="ja-JP" altLang="en-US" dirty="0" smtClean="0"/>
-              <a:t>実装②</a:t>
+              <a:t>アプリの実装②</a:t>
             </a:r>
             <a:endParaRPr kumimoji="1" lang="ja-JP" altLang="en-US" dirty="0"/>
           </a:p>
@@ -4677,15 +5014,7 @@
             </a:r>
             <a:r>
               <a:rPr lang="ja-JP" altLang="en-US" dirty="0" smtClean="0"/>
-              <a:t>する書き方</a:t>
-            </a:r>
-            <a:r>
-              <a:rPr lang="ja-JP" altLang="en-US" dirty="0" smtClean="0"/>
-              <a:t>を実現しているの</a:t>
-            </a:r>
-            <a:r>
-              <a:rPr lang="ja-JP" altLang="en-US" dirty="0" smtClean="0"/>
-              <a:t>が</a:t>
+              <a:t>する書き方を実現しているのが</a:t>
             </a:r>
             <a:r>
               <a:rPr lang="en-US" altLang="ja-JP" dirty="0" smtClean="0"/>
@@ -5145,11 +5474,7 @@
             </a:r>
             <a:r>
               <a:rPr lang="ja-JP" altLang="en-US" dirty="0" smtClean="0"/>
-              <a:t>実装</a:t>
-            </a:r>
-            <a:r>
-              <a:rPr lang="ja-JP" altLang="en-US" dirty="0" smtClean="0"/>
-              <a:t>④</a:t>
+              <a:t>実装④</a:t>
             </a:r>
             <a:endParaRPr kumimoji="1" lang="ja-JP" altLang="en-US" dirty="0"/>
           </a:p>
@@ -5666,7 +5991,7 @@
   <a:extraClrSchemeLst/>
   <a:extLst>
     <a:ext uri="{05A4C25C-085E-4340-85A3-A5531E510DB2}">
-      <thm15:themeFamily xmlns:thm15="http://schemas.microsoft.com/office/thememl/2012/main" xmlns="" name="Office Theme" id="{62F939B6-93AF-4DB8-9C6B-D6C7DFDC589F}" vid="{4A3C46E8-61CC-4603-A589-7422A47A8E4A}"/>
+      <thm15:themeFamily xmlns="" xmlns:thm15="http://schemas.microsoft.com/office/thememl/2012/main" name="Office Theme" id="{62F939B6-93AF-4DB8-9C6B-D6C7DFDC589F}" vid="{4A3C46E8-61CC-4603-A589-7422A47A8E4A}"/>
     </a:ext>
   </a:extLst>
 </a:theme>

--- a/doc/01_勉強会/01_勉強会資料/20180823_勉強会/02.資料/03_アプリ実装.pptx
+++ b/doc/01_勉強会/01_勉強会資料/20180823_勉強会/02.資料/03_アプリ実装.pptx
@@ -122,7 +122,7 @@
   </p:defaultTextStyle>
   <p:extLst>
     <p:ext uri="{EFAFB233-063F-42B5-8137-9DF3F51BA10A}">
-      <p15:sldGuideLst xmlns="" xmlns:p15="http://schemas.microsoft.com/office/powerpoint/2012/main"/>
+      <p15:sldGuideLst xmlns:p15="http://schemas.microsoft.com/office/powerpoint/2012/main" xmlns=""/>
     </p:ext>
   </p:extLst>
 </p:presentation>
@@ -1129,7 +1129,7 @@
           <a:blip r:embed="rId2" cstate="print">
             <a:extLst>
               <a:ext uri="{28A0092B-C50C-407E-A947-70E740481C1C}">
-                <a14:useLocalDpi xmlns="" xmlns:a14="http://schemas.microsoft.com/office/drawing/2010/main" val="0"/>
+                <a14:useLocalDpi xmlns:a14="http://schemas.microsoft.com/office/drawing/2010/main" xmlns="" val="0"/>
               </a:ext>
             </a:extLst>
           </a:blip>
@@ -1150,7 +1150,7 @@
     </p:spTree>
     <p:extLst>
       <p:ext uri="{BB962C8B-B14F-4D97-AF65-F5344CB8AC3E}">
-        <p14:creationId xmlns="" xmlns:p14="http://schemas.microsoft.com/office/powerpoint/2010/main" val="2810891602"/>
+        <p14:creationId xmlns:p14="http://schemas.microsoft.com/office/powerpoint/2010/main" xmlns="" val="2810891602"/>
       </p:ext>
     </p:extLst>
   </p:cSld>
@@ -1503,7 +1503,7 @@
     </p:spTree>
     <p:extLst>
       <p:ext uri="{BB962C8B-B14F-4D97-AF65-F5344CB8AC3E}">
-        <p14:creationId xmlns="" xmlns:p14="http://schemas.microsoft.com/office/powerpoint/2010/main" val="3557137448"/>
+        <p14:creationId xmlns:p14="http://schemas.microsoft.com/office/powerpoint/2010/main" xmlns="" val="3557137448"/>
       </p:ext>
     </p:extLst>
   </p:cSld>
@@ -1808,7 +1808,7 @@
     </p:spTree>
     <p:extLst>
       <p:ext uri="{BB962C8B-B14F-4D97-AF65-F5344CB8AC3E}">
-        <p14:creationId xmlns="" xmlns:p14="http://schemas.microsoft.com/office/powerpoint/2010/main" val="3739881455"/>
+        <p14:creationId xmlns:p14="http://schemas.microsoft.com/office/powerpoint/2010/main" xmlns="" val="3739881455"/>
       </p:ext>
     </p:extLst>
   </p:cSld>
@@ -2042,7 +2042,7 @@
     </p:spTree>
     <p:extLst>
       <p:ext uri="{BB962C8B-B14F-4D97-AF65-F5344CB8AC3E}">
-        <p14:creationId xmlns="" xmlns:p14="http://schemas.microsoft.com/office/powerpoint/2010/main" val="2041532408"/>
+        <p14:creationId xmlns:p14="http://schemas.microsoft.com/office/powerpoint/2010/main" xmlns="" val="2041532408"/>
       </p:ext>
     </p:extLst>
   </p:cSld>
@@ -2295,7 +2295,7 @@
     </p:spTree>
     <p:extLst>
       <p:ext uri="{BB962C8B-B14F-4D97-AF65-F5344CB8AC3E}">
-        <p14:creationId xmlns="" xmlns:p14="http://schemas.microsoft.com/office/powerpoint/2010/main" val="1665381159"/>
+        <p14:creationId xmlns:p14="http://schemas.microsoft.com/office/powerpoint/2010/main" xmlns="" val="1665381159"/>
       </p:ext>
     </p:extLst>
   </p:cSld>
@@ -2624,7 +2624,7 @@
           <a:blip r:embed="rId7" cstate="print">
             <a:extLst>
               <a:ext uri="{28A0092B-C50C-407E-A947-70E740481C1C}">
-                <a14:useLocalDpi xmlns="" xmlns:a14="http://schemas.microsoft.com/office/drawing/2010/main" val="0"/>
+                <a14:useLocalDpi xmlns:a14="http://schemas.microsoft.com/office/drawing/2010/main" xmlns="" val="0"/>
               </a:ext>
             </a:extLst>
           </a:blip>
@@ -2645,7 +2645,7 @@
     </p:spTree>
     <p:extLst>
       <p:ext uri="{BB962C8B-B14F-4D97-AF65-F5344CB8AC3E}">
-        <p14:creationId xmlns="" xmlns:p14="http://schemas.microsoft.com/office/powerpoint/2010/main" val="1816818280"/>
+        <p14:creationId xmlns:p14="http://schemas.microsoft.com/office/powerpoint/2010/main" xmlns="" val="1816818280"/>
       </p:ext>
     </p:extLst>
   </p:cSld>
@@ -3024,7 +3024,7 @@
           </a:ln>
           <a:extLst>
             <a:ext uri="{C572A759-6A51-4108-AA02-DFA0A04FC94B}">
-              <ma14:wrappingTextBoxFlag xmlns="" xmlns:ma14="http://schemas.microsoft.com/office/mac/drawingml/2011/main" val="1"/>
+              <ma14:wrappingTextBoxFlag xmlns:ma14="http://schemas.microsoft.com/office/mac/drawingml/2011/main" xmlns="" val="1"/>
             </a:ext>
           </a:extLst>
         </p:spPr>
@@ -3052,7 +3052,7 @@
     </p:spTree>
     <p:extLst>
       <p:ext uri="{BB962C8B-B14F-4D97-AF65-F5344CB8AC3E}">
-        <p14:creationId xmlns="" xmlns:p14="http://schemas.microsoft.com/office/powerpoint/2010/main" val="1000495878"/>
+        <p14:creationId xmlns:p14="http://schemas.microsoft.com/office/powerpoint/2010/main" xmlns="" val="1000495878"/>
       </p:ext>
     </p:extLst>
   </p:cSld>
@@ -3897,11 +3897,7 @@
             </a:r>
             <a:r>
               <a:rPr lang="ja-JP" altLang="en-US" dirty="0" smtClean="0"/>
-              <a:t>開発</a:t>
-            </a:r>
-            <a:r>
-              <a:rPr lang="ja-JP" altLang="en-US" dirty="0" smtClean="0"/>
-              <a:t>入門</a:t>
+              <a:t>開発入門</a:t>
             </a:r>
             <a:r>
               <a:rPr lang="ja-JP" altLang="en-US" dirty="0" err="1" smtClean="0"/>
@@ -3913,19 +3909,11 @@
             </a:r>
             <a:r>
               <a:rPr lang="en-US" altLang="ja-JP" dirty="0" smtClean="0"/>
-              <a:t> </a:t>
-            </a:r>
-            <a:r>
-              <a:rPr lang="en-US" altLang="ja-JP" dirty="0" smtClean="0"/>
-              <a:t>UI</a:t>
+              <a:t> UI</a:t>
             </a:r>
             <a:r>
               <a:rPr lang="ja-JP" altLang="en-US" dirty="0" smtClean="0"/>
-              <a:t>ライブラリの基本と</a:t>
-            </a:r>
-            <a:r>
-              <a:rPr lang="ja-JP" altLang="en-US" dirty="0" smtClean="0"/>
-              <a:t>応用</a:t>
+              <a:t>ライブラリの基本と応用</a:t>
             </a:r>
             <a:r>
               <a:rPr lang="en-US" altLang="ja-JP" dirty="0" smtClean="0"/>
@@ -3974,11 +3962,7 @@
             </a:r>
             <a:r>
               <a:rPr lang="ja-JP" altLang="en-US" dirty="0" smtClean="0"/>
-              <a:t>でいろいろ書いて</a:t>
-            </a:r>
-            <a:r>
-              <a:rPr lang="ja-JP" altLang="en-US" dirty="0" smtClean="0"/>
-              <a:t>みる</a:t>
+              <a:t>でいろいろ書いてみる</a:t>
             </a:r>
             <a:r>
               <a:rPr lang="en-US" altLang="ja-JP" dirty="0" smtClean="0"/>
@@ -3990,23 +3974,13 @@
             </a:r>
             <a:r>
               <a:rPr lang="en-US" altLang="ja-JP" dirty="0" smtClean="0"/>
-              <a:t>2018-8-16</a:t>
-            </a:r>
-            <a:r>
-              <a:rPr lang="en-US" altLang="ja-JP" dirty="0" smtClean="0"/>
-              <a:t>, </a:t>
+              <a:t>2018-8-16, </a:t>
             </a:r>
             <a:r>
               <a:rPr lang="en-US" altLang="ja-JP" dirty="0" smtClean="0">
                 <a:hlinkClick r:id="rId2"/>
               </a:rPr>
-              <a:t>https://</a:t>
-            </a:r>
-            <a:r>
-              <a:rPr lang="en-US" altLang="ja-JP" dirty="0" smtClean="0">
-                <a:hlinkClick r:id="rId2"/>
-              </a:rPr>
-              <a:t>blog.mismithportfolio.com/web/20161124reactsample</a:t>
+              <a:t>https://blog.mismithportfolio.com/web/20161124reactsample</a:t>
             </a:r>
             <a:endParaRPr lang="en-US" altLang="ja-JP" dirty="0" smtClean="0"/>
           </a:p>
@@ -4048,23 +4022,13 @@
             </a:r>
             <a:r>
               <a:rPr lang="en-US" altLang="ja-JP" dirty="0" smtClean="0"/>
-              <a:t>2018-08-16</a:t>
-            </a:r>
-            <a:r>
-              <a:rPr lang="en-US" altLang="ja-JP" dirty="0" smtClean="0"/>
-              <a:t>, </a:t>
+              <a:t>2018-08-16, </a:t>
             </a:r>
             <a:r>
               <a:rPr lang="en-US" altLang="ja-JP" dirty="0" smtClean="0">
                 <a:hlinkClick r:id="rId3"/>
               </a:rPr>
-              <a:t>https://student-engineer.net/react-basic</a:t>
-            </a:r>
-            <a:r>
-              <a:rPr lang="en-US" altLang="ja-JP" dirty="0" smtClean="0">
-                <a:hlinkClick r:id="rId3"/>
-              </a:rPr>
-              <a:t>/</a:t>
+              <a:t>https://student-engineer.net/react-basic/</a:t>
             </a:r>
             <a:endParaRPr lang="en-US" altLang="ja-JP" dirty="0" smtClean="0"/>
           </a:p>
@@ -4086,11 +4050,7 @@
             </a:r>
             <a:r>
               <a:rPr lang="ja-JP" altLang="en-US" dirty="0" smtClean="0"/>
-              <a:t>入門と</a:t>
-            </a:r>
-            <a:r>
-              <a:rPr lang="ja-JP" altLang="en-US" dirty="0" smtClean="0"/>
-              <a:t>事例集</a:t>
+              <a:t>入門と事例集</a:t>
             </a:r>
             <a:r>
               <a:rPr lang="en-US" altLang="ja-JP" dirty="0" smtClean="0"/>
@@ -4108,13 +4068,7 @@
               <a:rPr lang="en-US" altLang="ja-JP" dirty="0" smtClean="0">
                 <a:hlinkClick r:id="rId4"/>
               </a:rPr>
-              <a:t>http://</a:t>
-            </a:r>
-            <a:r>
-              <a:rPr lang="en-US" altLang="ja-JP" dirty="0" smtClean="0">
-                <a:hlinkClick r:id="rId4"/>
-              </a:rPr>
-              <a:t>tango-ruby.hatenablog.com/entry/2016/04/30/090000</a:t>
+              <a:t>http://tango-ruby.hatenablog.com/entry/2016/04/30/090000</a:t>
             </a:r>
             <a:endParaRPr lang="en-US" altLang="ja-JP" dirty="0" smtClean="0"/>
           </a:p>
@@ -4144,11 +4098,7 @@
             </a:r>
             <a:r>
               <a:rPr lang="ja-JP" altLang="en-US" dirty="0" smtClean="0"/>
-              <a:t>の威力を体感</a:t>
-            </a:r>
-            <a:r>
-              <a:rPr lang="ja-JP" altLang="en-US" dirty="0" smtClean="0"/>
-              <a:t>する</a:t>
+              <a:t>の威力を体感する</a:t>
             </a:r>
             <a:r>
               <a:rPr lang="en-US" altLang="ja-JP" dirty="0" smtClean="0"/>
@@ -5991,7 +5941,7 @@
   <a:extraClrSchemeLst/>
   <a:extLst>
     <a:ext uri="{05A4C25C-085E-4340-85A3-A5531E510DB2}">
-      <thm15:themeFamily xmlns="" xmlns:thm15="http://schemas.microsoft.com/office/thememl/2012/main" name="Office Theme" id="{62F939B6-93AF-4DB8-9C6B-D6C7DFDC589F}" vid="{4A3C46E8-61CC-4603-A589-7422A47A8E4A}"/>
+      <thm15:themeFamily xmlns:thm15="http://schemas.microsoft.com/office/thememl/2012/main" xmlns="" name="Office Theme" id="{62F939B6-93AF-4DB8-9C6B-D6C7DFDC589F}" vid="{4A3C46E8-61CC-4603-A589-7422A47A8E4A}"/>
     </a:ext>
   </a:extLst>
 </a:theme>
